--- a/ComputerArchitech/Internet Censorship.pptx
+++ b/ComputerArchitech/Internet Censorship.pptx
@@ -472,7 +472,7 @@
             <a:fld id="{8BD67A5D-1E02-488B-A5AD-3894BE9E7EF3}" type="datetimeFigureOut">
               <a:rPr lang="zh-CN" altLang="en-US" smtClean="0"/>
               <a:pPr/>
-              <a:t>2024/3/6</a:t>
+              <a:t>2024/3/9</a:t>
             </a:fld>
             <a:endParaRPr lang="zh-CN" altLang="en-US" dirty="0"/>
           </a:p>
@@ -6687,7 +6687,7 @@
         <p:fade/>
       </p:transition>
     </mc:Choice>
-    <mc:Fallback xmlns="" xmlns:a16="http://schemas.microsoft.com/office/drawing/2014/main">
+    <mc:Fallback xmlns:a16="http://schemas.microsoft.com/office/drawing/2014/main" xmlns="">
       <p:transition spd="med">
         <p:fade/>
       </p:transition>
@@ -7171,7 +7171,7 @@
         <p:fade/>
       </p:transition>
     </mc:Choice>
-    <mc:Fallback xmlns="" xmlns:a16="http://schemas.microsoft.com/office/drawing/2014/main">
+    <mc:Fallback xmlns:a16="http://schemas.microsoft.com/office/drawing/2014/main" xmlns="">
       <p:transition spd="med">
         <p:fade/>
       </p:transition>
@@ -7623,7 +7623,7 @@
         <p:fade/>
       </p:transition>
     </mc:Choice>
-    <mc:Fallback xmlns="" xmlns:a16="http://schemas.microsoft.com/office/drawing/2014/main">
+    <mc:Fallback xmlns:a16="http://schemas.microsoft.com/office/drawing/2014/main" xmlns="">
       <p:transition spd="med">
         <p:fade/>
       </p:transition>
@@ -17180,7 +17180,7 @@
           <p:nvPr>
             <p:extLst>
               <p:ext uri="{D42A27DB-BD31-4B8C-83A1-F6EECF244321}">
-                <p14:modId xmlns:p14="http://schemas.microsoft.com/office/powerpoint/2010/main" val="3864286124"/>
+                <p14:modId xmlns:p14="http://schemas.microsoft.com/office/powerpoint/2010/main" val="3584174185"/>
               </p:ext>
             </p:extLst>
           </p:nvPr>
@@ -18198,10 +18198,10 @@
       </p:sp>
       <p:grpSp>
         <p:nvGrpSpPr>
-          <p:cNvPr id="32" name="组合 31">
+          <p:cNvPr id="2" name="组合 1">
             <a:extLst>
               <a:ext uri="{FF2B5EF4-FFF2-40B4-BE49-F238E27FC236}">
-                <a16:creationId xmlns:a16="http://schemas.microsoft.com/office/drawing/2014/main" id="{76CBFCCD-FAC2-CB49-7725-81D67464111B}"/>
+                <a16:creationId xmlns:a16="http://schemas.microsoft.com/office/drawing/2014/main" id="{C45474A9-4239-5DAD-50CD-7B8808294CB0}"/>
               </a:ext>
             </a:extLst>
           </p:cNvPr>
@@ -18212,7 +18212,7 @@
           <a:xfrm>
             <a:off x="1976675" y="1586718"/>
             <a:ext cx="8238649" cy="4878232"/>
-            <a:chOff x="1976674" y="1586717"/>
+            <a:chOff x="1976675" y="1586718"/>
             <a:chExt cx="8238649" cy="4878232"/>
           </a:xfrm>
         </p:grpSpPr>
@@ -18244,7 +18244,7 @@
           </p:blipFill>
           <p:spPr>
             <a:xfrm>
-              <a:off x="1984260" y="1586717"/>
+              <a:off x="1984261" y="1586718"/>
               <a:ext cx="8231063" cy="4809600"/>
             </a:xfrm>
             <a:prstGeom prst="rect">
@@ -18266,7 +18266,7 @@
           </p:nvSpPr>
           <p:spPr>
             <a:xfrm>
-              <a:off x="2216972" y="5574807"/>
+              <a:off x="2216973" y="5574808"/>
               <a:ext cx="1485443" cy="360612"/>
             </a:xfrm>
             <a:prstGeom prst="rect">
@@ -18315,7 +18315,7 @@
           </p:nvSpPr>
           <p:spPr>
             <a:xfrm>
-              <a:off x="3192405" y="5286103"/>
+              <a:off x="3192406" y="5286104"/>
               <a:ext cx="1485443" cy="360612"/>
             </a:xfrm>
             <a:prstGeom prst="rect">
@@ -18364,7 +18364,7 @@
           </p:nvSpPr>
           <p:spPr>
             <a:xfrm>
-              <a:off x="3207576" y="5863511"/>
+              <a:off x="3207577" y="5886090"/>
               <a:ext cx="1485443" cy="360612"/>
             </a:xfrm>
             <a:prstGeom prst="rect">
@@ -18413,7 +18413,7 @@
           </p:nvSpPr>
           <p:spPr>
             <a:xfrm>
-              <a:off x="1976674" y="4508519"/>
+              <a:off x="1976675" y="4508520"/>
               <a:ext cx="1966038" cy="327077"/>
             </a:xfrm>
             <a:prstGeom prst="rect">
@@ -18462,7 +18462,7 @@
           </p:nvSpPr>
           <p:spPr>
             <a:xfrm>
-              <a:off x="4160877" y="1695115"/>
+              <a:off x="4160878" y="1695116"/>
               <a:ext cx="2704071" cy="585610"/>
             </a:xfrm>
             <a:prstGeom prst="rect">
@@ -18536,7 +18536,7 @@
           </p:nvSpPr>
           <p:spPr>
             <a:xfrm>
-              <a:off x="4160877" y="2684369"/>
+              <a:off x="4160878" y="2684370"/>
               <a:ext cx="2704071" cy="585610"/>
             </a:xfrm>
             <a:prstGeom prst="rect">
@@ -18610,7 +18610,7 @@
           </p:nvSpPr>
           <p:spPr>
             <a:xfrm>
-              <a:off x="4102508" y="3748182"/>
+              <a:off x="4102509" y="3748183"/>
               <a:ext cx="2704071" cy="585610"/>
             </a:xfrm>
             <a:prstGeom prst="rect">
@@ -18684,7 +18684,7 @@
           </p:nvSpPr>
           <p:spPr>
             <a:xfrm>
-              <a:off x="4613940" y="5604899"/>
+              <a:off x="4613941" y="5604900"/>
               <a:ext cx="2374381" cy="327077"/>
             </a:xfrm>
             <a:prstGeom prst="rect">
@@ -18735,7 +18735,7 @@
           </p:nvSpPr>
           <p:spPr>
             <a:xfrm>
-              <a:off x="4603212" y="6137872"/>
+              <a:off x="4603213" y="6137873"/>
               <a:ext cx="2261736" cy="327077"/>
             </a:xfrm>
             <a:prstGeom prst="rect">
@@ -18786,7 +18786,7 @@
           </p:nvSpPr>
           <p:spPr>
             <a:xfrm>
-              <a:off x="4168463" y="2405259"/>
+              <a:off x="4168464" y="2405260"/>
               <a:ext cx="2704071" cy="327077"/>
             </a:xfrm>
             <a:prstGeom prst="rect">
@@ -18865,7 +18865,7 @@
           </p:nvSpPr>
           <p:spPr>
             <a:xfrm>
-              <a:off x="4121963" y="3392575"/>
+              <a:off x="4121964" y="3392576"/>
               <a:ext cx="2742985" cy="327077"/>
             </a:xfrm>
             <a:prstGeom prst="rect">
@@ -18944,7 +18944,7 @@
           </p:nvSpPr>
           <p:spPr>
             <a:xfrm>
-              <a:off x="4083050" y="4438782"/>
+              <a:off x="4083051" y="4438783"/>
               <a:ext cx="2856534" cy="327077"/>
             </a:xfrm>
             <a:prstGeom prst="rect">
@@ -19012,7 +19012,7 @@
           </p:nvSpPr>
           <p:spPr>
             <a:xfrm rot="5400000">
-              <a:off x="1647885" y="2935690"/>
+              <a:off x="1647886" y="2935691"/>
               <a:ext cx="2271343" cy="585610"/>
             </a:xfrm>
             <a:prstGeom prst="rect">
@@ -19069,7 +19069,7 @@
           </p:nvSpPr>
           <p:spPr>
             <a:xfrm>
-              <a:off x="7425770" y="5974598"/>
+              <a:off x="7414482" y="5997177"/>
               <a:ext cx="1485443" cy="360612"/>
             </a:xfrm>
             <a:prstGeom prst="rect">
@@ -19134,7 +19134,7 @@
           </p:nvSpPr>
           <p:spPr>
             <a:xfrm>
-              <a:off x="3798439" y="4826138"/>
+              <a:off x="3798440" y="4826139"/>
               <a:ext cx="3942729" cy="327077"/>
             </a:xfrm>
             <a:prstGeom prst="rect">
@@ -19200,7 +19200,7 @@
           </p:nvSpPr>
           <p:spPr>
             <a:xfrm>
-              <a:off x="7207832" y="1963731"/>
+              <a:off x="7207833" y="1963732"/>
               <a:ext cx="749218" cy="585610"/>
             </a:xfrm>
             <a:prstGeom prst="rect">
@@ -19251,7 +19251,7 @@
           </p:nvSpPr>
           <p:spPr>
             <a:xfrm>
-              <a:off x="7161331" y="2926355"/>
+              <a:off x="7161332" y="2926356"/>
               <a:ext cx="749218" cy="585610"/>
             </a:xfrm>
             <a:prstGeom prst="rect">
@@ -19318,7 +19318,7 @@
           </p:nvSpPr>
           <p:spPr>
             <a:xfrm>
-              <a:off x="7125134" y="4071362"/>
+              <a:off x="7125135" y="4071363"/>
               <a:ext cx="968213" cy="585610"/>
             </a:xfrm>
             <a:prstGeom prst="rect">
@@ -19385,7 +19385,7 @@
           </p:nvSpPr>
           <p:spPr>
             <a:xfrm rot="5400000">
-              <a:off x="2646525" y="3181879"/>
+              <a:off x="2646526" y="3181880"/>
               <a:ext cx="1975910" cy="327917"/>
             </a:xfrm>
             <a:prstGeom prst="rect">
